--- a/Twitter-Recommender/TwitterRecommender_2nd_Presentation.pptx
+++ b/Twitter-Recommender/TwitterRecommender_2nd_Presentation.pptx
@@ -284,7 +284,7 @@
           <a:p>
             <a:fld id="{02AC24A9-CCB6-4F8D-B8DB-C2F3692CFA5A}" type="datetimeFigureOut">
               <a:rPr lang="en-US" smtClean="0"/>
-              <a:t>2/21/2022</a:t>
+              <a:t>2/22/2022</a:t>
             </a:fld>
             <a:endParaRPr lang="en-US" dirty="0"/>
           </a:p>
@@ -655,7 +655,7 @@
           <a:p>
             <a:fld id="{02AC24A9-CCB6-4F8D-B8DB-C2F3692CFA5A}" type="datetimeFigureOut">
               <a:rPr lang="en-US" smtClean="0"/>
-              <a:t>2/21/2022</a:t>
+              <a:t>2/22/2022</a:t>
             </a:fld>
             <a:endParaRPr lang="en-US"/>
           </a:p>
@@ -865,7 +865,7 @@
           <a:p>
             <a:fld id="{02AC24A9-CCB6-4F8D-B8DB-C2F3692CFA5A}" type="datetimeFigureOut">
               <a:rPr lang="en-US" smtClean="0"/>
-              <a:t>2/21/2022</a:t>
+              <a:t>2/22/2022</a:t>
             </a:fld>
             <a:endParaRPr lang="en-US"/>
           </a:p>
@@ -1337,7 +1337,7 @@
           <a:p>
             <a:fld id="{02AC24A9-CCB6-4F8D-B8DB-C2F3692CFA5A}" type="datetimeFigureOut">
               <a:rPr lang="en-US" smtClean="0"/>
-              <a:t>2/21/2022</a:t>
+              <a:t>2/22/2022</a:t>
             </a:fld>
             <a:endParaRPr lang="en-US"/>
           </a:p>
@@ -1792,7 +1792,7 @@
           <a:p>
             <a:fld id="{02AC24A9-CCB6-4F8D-B8DB-C2F3692CFA5A}" type="datetimeFigureOut">
               <a:rPr lang="en-US" smtClean="0"/>
-              <a:t>2/21/2022</a:t>
+              <a:t>2/22/2022</a:t>
             </a:fld>
             <a:endParaRPr lang="en-US"/>
           </a:p>
@@ -2327,7 +2327,7 @@
           <a:p>
             <a:fld id="{02AC24A9-CCB6-4F8D-B8DB-C2F3692CFA5A}" type="datetimeFigureOut">
               <a:rPr lang="en-US" smtClean="0"/>
-              <a:t>2/21/2022</a:t>
+              <a:t>2/22/2022</a:t>
             </a:fld>
             <a:endParaRPr lang="en-US"/>
           </a:p>
@@ -3029,7 +3029,7 @@
           <a:p>
             <a:fld id="{02AC24A9-CCB6-4F8D-B8DB-C2F3692CFA5A}" type="datetimeFigureOut">
               <a:rPr lang="en-US" smtClean="0"/>
-              <a:t>2/21/2022</a:t>
+              <a:t>2/22/2022</a:t>
             </a:fld>
             <a:endParaRPr lang="en-US"/>
           </a:p>
@@ -3359,7 +3359,7 @@
           <a:p>
             <a:fld id="{02AC24A9-CCB6-4F8D-B8DB-C2F3692CFA5A}" type="datetimeFigureOut">
               <a:rPr lang="en-US" smtClean="0"/>
-              <a:t>2/21/2022</a:t>
+              <a:t>2/22/2022</a:t>
             </a:fld>
             <a:endParaRPr lang="en-US"/>
           </a:p>
@@ -3472,7 +3472,7 @@
           <a:p>
             <a:fld id="{02AC24A9-CCB6-4F8D-B8DB-C2F3692CFA5A}" type="datetimeFigureOut">
               <a:rPr lang="en-US" smtClean="0"/>
-              <a:t>2/21/2022</a:t>
+              <a:t>2/22/2022</a:t>
             </a:fld>
             <a:endParaRPr lang="en-US"/>
           </a:p>
@@ -3969,7 +3969,7 @@
           <a:p>
             <a:fld id="{02AC24A9-CCB6-4F8D-B8DB-C2F3692CFA5A}" type="datetimeFigureOut">
               <a:rPr lang="en-US" smtClean="0"/>
-              <a:t>2/21/2022</a:t>
+              <a:t>2/22/2022</a:t>
             </a:fld>
             <a:endParaRPr lang="en-US" dirty="0"/>
           </a:p>
@@ -4448,7 +4448,7 @@
           <a:p>
             <a:fld id="{02AC24A9-CCB6-4F8D-B8DB-C2F3692CFA5A}" type="datetimeFigureOut">
               <a:rPr lang="en-US" smtClean="0"/>
-              <a:t>2/21/2022</a:t>
+              <a:t>2/22/2022</a:t>
             </a:fld>
             <a:endParaRPr lang="en-US"/>
           </a:p>
@@ -4691,7 +4691,7 @@
           <a:p>
             <a:fld id="{02AC24A9-CCB6-4F8D-B8DB-C2F3692CFA5A}" type="datetimeFigureOut">
               <a:rPr lang="en-US" smtClean="0"/>
-              <a:t>2/21/2022</a:t>
+              <a:t>2/22/2022</a:t>
             </a:fld>
             <a:endParaRPr lang="en-US"/>
           </a:p>
@@ -8981,7 +8981,7 @@
 </file>
 
 <file path=ppt/slides/slide4.xml><?xml version="1.0" encoding="utf-8"?>
-<p:sld xmlns:a="http://schemas.openxmlformats.org/drawingml/2006/main" xmlns:r="http://schemas.openxmlformats.org/officeDocument/2006/relationships" xmlns:p="http://schemas.openxmlformats.org/presentationml/2006/main">
+<p:sld xmlns:a="http://schemas.openxmlformats.org/drawingml/2006/main" xmlns:r="http://schemas.openxmlformats.org/officeDocument/2006/relationships" xmlns:p="http://schemas.openxmlformats.org/presentationml/2006/main" show="0">
   <p:cSld>
     <p:spTree>
       <p:nvGrpSpPr>
@@ -9305,72 +9305,67 @@
           </a:p>
         </p:txBody>
       </p:sp>
+      <p:sp>
+        <p:nvSpPr>
+          <p:cNvPr id="6" name="Espaço Reservado para Conteúdo 5">
+            <a:extLst>
+              <a:ext uri="{FF2B5EF4-FFF2-40B4-BE49-F238E27FC236}">
+                <a16:creationId xmlns:a16="http://schemas.microsoft.com/office/drawing/2014/main" id="{27D12E69-D077-41FD-8411-5B53CCAE6541}"/>
+              </a:ext>
+            </a:extLst>
+          </p:cNvPr>
+          <p:cNvSpPr>
+            <a:spLocks noGrp="1"/>
+          </p:cNvSpPr>
+          <p:nvPr>
+            <p:ph sz="half" idx="2"/>
+          </p:nvPr>
+        </p:nvSpPr>
+        <p:spPr>
+          <a:xfrm>
+            <a:off x="486033" y="2733397"/>
+            <a:ext cx="3663696" cy="3694176"/>
+          </a:xfrm>
+        </p:spPr>
+        <p:txBody>
+          <a:bodyPr/>
+          <a:lstStyle/>
+          <a:p>
+            <a:r>
+              <a:rPr lang="pt-BR" dirty="0" err="1"/>
+              <a:t>Diameter</a:t>
+            </a:r>
+            <a:r>
+              <a:rPr lang="pt-BR" dirty="0"/>
+              <a:t>: 4</a:t>
+            </a:r>
+          </a:p>
+          <a:p>
+            <a:r>
+              <a:rPr lang="pt-BR" dirty="0" err="1"/>
+              <a:t>Number</a:t>
+            </a:r>
+            <a:r>
+              <a:rPr lang="pt-BR" dirty="0"/>
+              <a:t> </a:t>
+            </a:r>
+            <a:r>
+              <a:rPr lang="pt-BR" dirty="0" err="1"/>
+              <a:t>of</a:t>
+            </a:r>
+            <a:r>
+              <a:rPr lang="pt-BR" dirty="0"/>
+              <a:t> nodes: 53</a:t>
+            </a:r>
+          </a:p>
+        </p:txBody>
+      </p:sp>
       <p:pic>
         <p:nvPicPr>
           <p:cNvPr id="4" name="Imagem 3">
             <a:extLst>
               <a:ext uri="{FF2B5EF4-FFF2-40B4-BE49-F238E27FC236}">
                 <a16:creationId xmlns:a16="http://schemas.microsoft.com/office/drawing/2014/main" id="{D8F79B2D-3A5B-4819-A892-A6F1E88A7B56}"/>
-              </a:ext>
-            </a:extLst>
-          </p:cNvPr>
-          <p:cNvPicPr>
-            <a:picLocks noChangeAspect="1"/>
-          </p:cNvPicPr>
-          <p:nvPr/>
-        </p:nvPicPr>
-        <p:blipFill>
-          <a:blip r:embed="rId2"/>
-          <a:stretch>
-            <a:fillRect/>
-          </a:stretch>
-        </p:blipFill>
-        <p:spPr>
-          <a:xfrm>
-            <a:off x="190608" y="2209906"/>
-            <a:ext cx="6867379" cy="4360575"/>
-          </a:xfrm>
-          <a:prstGeom prst="rect">
-            <a:avLst/>
-          </a:prstGeom>
-        </p:spPr>
-      </p:pic>
-      <p:pic>
-        <p:nvPicPr>
-          <p:cNvPr id="7" name="Imagem 6">
-            <a:extLst>
-              <a:ext uri="{FF2B5EF4-FFF2-40B4-BE49-F238E27FC236}">
-                <a16:creationId xmlns:a16="http://schemas.microsoft.com/office/drawing/2014/main" id="{04012F85-B66F-4AA6-A41C-E9BEC97C6894}"/>
-              </a:ext>
-            </a:extLst>
-          </p:cNvPr>
-          <p:cNvPicPr>
-            <a:picLocks noChangeAspect="1"/>
-          </p:cNvPicPr>
-          <p:nvPr/>
-        </p:nvPicPr>
-        <p:blipFill>
-          <a:blip r:embed="rId3"/>
-          <a:stretch>
-            <a:fillRect/>
-          </a:stretch>
-        </p:blipFill>
-        <p:spPr>
-          <a:xfrm>
-            <a:off x="7522589" y="2209906"/>
-            <a:ext cx="4069192" cy="1004634"/>
-          </a:xfrm>
-          <a:prstGeom prst="rect">
-            <a:avLst/>
-          </a:prstGeom>
-        </p:spPr>
-      </p:pic>
-      <p:pic>
-        <p:nvPicPr>
-          <p:cNvPr id="9" name="Imagem 8">
-            <a:extLst>
-              <a:ext uri="{FF2B5EF4-FFF2-40B4-BE49-F238E27FC236}">
-                <a16:creationId xmlns:a16="http://schemas.microsoft.com/office/drawing/2014/main" id="{E7DB1289-8967-4CD2-A16E-1260A079CA8A}"/>
               </a:ext>
             </a:extLst>
           </p:cNvPr>
@@ -9380,14 +9375,14 @@
           <p:nvPr/>
         </p:nvPicPr>
         <p:blipFill rotWithShape="1">
-          <a:blip r:embed="rId4"/>
-          <a:srcRect t="10825"/>
+          <a:blip r:embed="rId2"/>
+          <a:srcRect l="18211" t="15283"/>
           <a:stretch/>
         </p:blipFill>
         <p:spPr>
           <a:xfrm>
-            <a:off x="190609" y="6163435"/>
-            <a:ext cx="3353870" cy="557874"/>
+            <a:off x="5016843" y="2545986"/>
+            <a:ext cx="5616716" cy="3694176"/>
           </a:xfrm>
           <a:prstGeom prst="rect">
             <a:avLst/>
@@ -9984,7 +9979,12 @@
             <p:ph type="body" idx="1"/>
           </p:nvPr>
         </p:nvSpPr>
-        <p:spPr/>
+        <p:spPr>
+          <a:xfrm>
+            <a:off x="1115568" y="2053996"/>
+            <a:ext cx="4937760" cy="823912"/>
+          </a:xfrm>
+        </p:spPr>
         <p:txBody>
           <a:bodyPr/>
           <a:lstStyle/>
@@ -10024,7 +10024,12 @@
             <p:ph sz="half" idx="2"/>
           </p:nvPr>
         </p:nvSpPr>
-        <p:spPr/>
+        <p:spPr>
+          <a:xfrm>
+            <a:off x="1115568" y="3038931"/>
+            <a:ext cx="4937760" cy="2968512"/>
+          </a:xfrm>
+        </p:spPr>
         <p:txBody>
           <a:bodyPr/>
           <a:lstStyle/>
